--- a/(宣道詩49)流血之泉.pptx
+++ b/(宣道詩49)流血之泉.pptx
@@ -16,7 +16,7 @@
     <p:sldId id="260" r:id="rId10"/>
     <p:sldId id="261" r:id="rId11"/>
   </p:sldIdLst>
-  <p:sldSz cx="9144000" cy="6858000" type="screen4x3"/>
+  <p:sldSz cx="12192000" cy="6858000"/>
   <p:notesSz cx="6858000" cy="9144000"/>
   <p:defaultTextStyle>
     <a:defPPr>
@@ -113,6 +113,22 @@
       </a:defRPr>
     </a:lvl9pPr>
   </p:defaultTextStyle>
+  <p:extLst>
+    <p:ext uri="{EFAFB233-063F-42B5-8137-9DF3F51BA10A}">
+      <p15:sldGuideLst xmlns:p15="http://schemas.microsoft.com/office/powerpoint/2012/main">
+        <p15:guide id="1" orient="horz" pos="2160" userDrawn="1">
+          <p15:clr>
+            <a:srgbClr val="A4A3A4"/>
+          </p15:clr>
+        </p15:guide>
+        <p15:guide id="2" pos="3840" userDrawn="1">
+          <p15:clr>
+            <a:srgbClr val="A4A3A4"/>
+          </p15:clr>
+        </p15:guide>
+      </p15:sldGuideLst>
+    </p:ext>
+  </p:extLst>
 </p:presentation>
 </file>
 
@@ -145,8 +161,8 @@
         </p:nvSpPr>
         <p:spPr>
           <a:xfrm>
-            <a:off x="685800" y="2130425"/>
-            <a:ext cx="7772400" cy="1470025"/>
+            <a:off x="914400" y="2130426"/>
+            <a:ext cx="10363200" cy="1470025"/>
           </a:xfrm>
         </p:spPr>
         <p:txBody>
@@ -173,8 +189,8 @@
         </p:nvSpPr>
         <p:spPr>
           <a:xfrm>
-            <a:off x="1371600" y="3886200"/>
-            <a:ext cx="6400800" cy="1752600"/>
+            <a:off x="1828800" y="3886200"/>
+            <a:ext cx="8534400" cy="1752600"/>
           </a:xfrm>
         </p:spPr>
         <p:txBody>
@@ -298,7 +314,7 @@
             <a:fld id="{E4FCE795-414F-439F-A50E-CDC6F5D13AFF}" type="datetimeFigureOut">
               <a:rPr lang="zh-TW" altLang="en-US" smtClean="0"/>
               <a:pPr/>
-              <a:t>2017/7/2</a:t>
+              <a:t>2020/4/8</a:t>
             </a:fld>
             <a:endParaRPr lang="zh-TW" altLang="en-US"/>
           </a:p>
@@ -465,7 +481,7 @@
             <a:fld id="{E4FCE795-414F-439F-A50E-CDC6F5D13AFF}" type="datetimeFigureOut">
               <a:rPr lang="zh-TW" altLang="en-US" smtClean="0"/>
               <a:pPr/>
-              <a:t>2017/7/2</a:t>
+              <a:t>2020/4/8</a:t>
             </a:fld>
             <a:endParaRPr lang="zh-TW" altLang="en-US"/>
           </a:p>
@@ -551,8 +567,8 @@
         </p:nvSpPr>
         <p:spPr>
           <a:xfrm>
-            <a:off x="6629400" y="274638"/>
-            <a:ext cx="2057400" cy="5851525"/>
+            <a:off x="8839200" y="274639"/>
+            <a:ext cx="2743200" cy="5851525"/>
           </a:xfrm>
         </p:spPr>
         <p:txBody>
@@ -579,8 +595,8 @@
         </p:nvSpPr>
         <p:spPr>
           <a:xfrm>
-            <a:off x="457200" y="274638"/>
-            <a:ext cx="6019800" cy="5851525"/>
+            <a:off x="609600" y="274639"/>
+            <a:ext cx="8026400" cy="5851525"/>
           </a:xfrm>
         </p:spPr>
         <p:txBody>
@@ -642,7 +658,7 @@
             <a:fld id="{E4FCE795-414F-439F-A50E-CDC6F5D13AFF}" type="datetimeFigureOut">
               <a:rPr lang="zh-TW" altLang="en-US" smtClean="0"/>
               <a:pPr/>
-              <a:t>2017/7/2</a:t>
+              <a:t>2020/4/8</a:t>
             </a:fld>
             <a:endParaRPr lang="zh-TW" altLang="en-US"/>
           </a:p>
@@ -809,7 +825,7 @@
             <a:fld id="{E4FCE795-414F-439F-A50E-CDC6F5D13AFF}" type="datetimeFigureOut">
               <a:rPr lang="zh-TW" altLang="en-US" smtClean="0"/>
               <a:pPr/>
-              <a:t>2017/7/2</a:t>
+              <a:t>2020/4/8</a:t>
             </a:fld>
             <a:endParaRPr lang="zh-TW" altLang="en-US"/>
           </a:p>
@@ -895,8 +911,8 @@
         </p:nvSpPr>
         <p:spPr>
           <a:xfrm>
-            <a:off x="722313" y="4406900"/>
-            <a:ext cx="7772400" cy="1362075"/>
+            <a:off x="963084" y="4406901"/>
+            <a:ext cx="10363200" cy="1362075"/>
           </a:xfrm>
         </p:spPr>
         <p:txBody>
@@ -927,8 +943,8 @@
         </p:nvSpPr>
         <p:spPr>
           <a:xfrm>
-            <a:off x="722313" y="2906713"/>
-            <a:ext cx="7772400" cy="1500187"/>
+            <a:off x="963084" y="2906713"/>
+            <a:ext cx="10363200" cy="1500187"/>
           </a:xfrm>
         </p:spPr>
         <p:txBody>
@@ -1052,7 +1068,7 @@
             <a:fld id="{E4FCE795-414F-439F-A50E-CDC6F5D13AFF}" type="datetimeFigureOut">
               <a:rPr lang="zh-TW" altLang="en-US" smtClean="0"/>
               <a:pPr/>
-              <a:t>2017/7/2</a:t>
+              <a:t>2020/4/8</a:t>
             </a:fld>
             <a:endParaRPr lang="zh-TW" altLang="en-US"/>
           </a:p>
@@ -1161,8 +1177,8 @@
         </p:nvSpPr>
         <p:spPr>
           <a:xfrm>
-            <a:off x="457200" y="1600200"/>
-            <a:ext cx="4038600" cy="4525963"/>
+            <a:off x="609600" y="1600201"/>
+            <a:ext cx="5384800" cy="4525963"/>
           </a:xfrm>
         </p:spPr>
         <p:txBody>
@@ -1246,8 +1262,8 @@
         </p:nvSpPr>
         <p:spPr>
           <a:xfrm>
-            <a:off x="4648200" y="1600200"/>
-            <a:ext cx="4038600" cy="4525963"/>
+            <a:off x="6197600" y="1600201"/>
+            <a:ext cx="5384800" cy="4525963"/>
           </a:xfrm>
         </p:spPr>
         <p:txBody>
@@ -1337,7 +1353,7 @@
             <a:fld id="{E4FCE795-414F-439F-A50E-CDC6F5D13AFF}" type="datetimeFigureOut">
               <a:rPr lang="zh-TW" altLang="en-US" smtClean="0"/>
               <a:pPr/>
-              <a:t>2017/7/2</a:t>
+              <a:t>2020/4/8</a:t>
             </a:fld>
             <a:endParaRPr lang="zh-TW" altLang="en-US"/>
           </a:p>
@@ -1450,8 +1466,8 @@
         </p:nvSpPr>
         <p:spPr>
           <a:xfrm>
-            <a:off x="457200" y="1535113"/>
-            <a:ext cx="4040188" cy="639762"/>
+            <a:off x="609600" y="1535113"/>
+            <a:ext cx="5386917" cy="639762"/>
           </a:xfrm>
         </p:spPr>
         <p:txBody>
@@ -1515,8 +1531,8 @@
         </p:nvSpPr>
         <p:spPr>
           <a:xfrm>
-            <a:off x="457200" y="2174875"/>
-            <a:ext cx="4040188" cy="3951288"/>
+            <a:off x="609600" y="2174875"/>
+            <a:ext cx="5386917" cy="3951288"/>
           </a:xfrm>
         </p:spPr>
         <p:txBody>
@@ -1600,8 +1616,8 @@
         </p:nvSpPr>
         <p:spPr>
           <a:xfrm>
-            <a:off x="4645025" y="1535113"/>
-            <a:ext cx="4041775" cy="639762"/>
+            <a:off x="6193368" y="1535113"/>
+            <a:ext cx="5389033" cy="639762"/>
           </a:xfrm>
         </p:spPr>
         <p:txBody>
@@ -1665,8 +1681,8 @@
         </p:nvSpPr>
         <p:spPr>
           <a:xfrm>
-            <a:off x="4645025" y="2174875"/>
-            <a:ext cx="4041775" cy="3951288"/>
+            <a:off x="6193368" y="2174875"/>
+            <a:ext cx="5389033" cy="3951288"/>
           </a:xfrm>
         </p:spPr>
         <p:txBody>
@@ -1756,7 +1772,7 @@
             <a:fld id="{E4FCE795-414F-439F-A50E-CDC6F5D13AFF}" type="datetimeFigureOut">
               <a:rPr lang="zh-TW" altLang="en-US" smtClean="0"/>
               <a:pPr/>
-              <a:t>2017/7/2</a:t>
+              <a:t>2020/4/8</a:t>
             </a:fld>
             <a:endParaRPr lang="zh-TW" altLang="en-US"/>
           </a:p>
@@ -1871,7 +1887,7 @@
             <a:fld id="{E4FCE795-414F-439F-A50E-CDC6F5D13AFF}" type="datetimeFigureOut">
               <a:rPr lang="zh-TW" altLang="en-US" smtClean="0"/>
               <a:pPr/>
-              <a:t>2017/7/2</a:t>
+              <a:t>2020/4/8</a:t>
             </a:fld>
             <a:endParaRPr lang="zh-TW" altLang="en-US"/>
           </a:p>
@@ -1963,7 +1979,7 @@
             <a:fld id="{E4FCE795-414F-439F-A50E-CDC6F5D13AFF}" type="datetimeFigureOut">
               <a:rPr lang="zh-TW" altLang="en-US" smtClean="0"/>
               <a:pPr/>
-              <a:t>2017/7/2</a:t>
+              <a:t>2020/4/8</a:t>
             </a:fld>
             <a:endParaRPr lang="zh-TW" altLang="en-US"/>
           </a:p>
@@ -2049,8 +2065,8 @@
         </p:nvSpPr>
         <p:spPr>
           <a:xfrm>
-            <a:off x="457200" y="273050"/>
-            <a:ext cx="3008313" cy="1162050"/>
+            <a:off x="609601" y="273050"/>
+            <a:ext cx="4011084" cy="1162050"/>
           </a:xfrm>
         </p:spPr>
         <p:txBody>
@@ -2081,8 +2097,8 @@
         </p:nvSpPr>
         <p:spPr>
           <a:xfrm>
-            <a:off x="3575050" y="273050"/>
-            <a:ext cx="5111750" cy="5853113"/>
+            <a:off x="4766733" y="273051"/>
+            <a:ext cx="6815667" cy="5853113"/>
           </a:xfrm>
         </p:spPr>
         <p:txBody>
@@ -2166,8 +2182,8 @@
         </p:nvSpPr>
         <p:spPr>
           <a:xfrm>
-            <a:off x="457200" y="1435100"/>
-            <a:ext cx="3008313" cy="4691063"/>
+            <a:off x="609601" y="1435101"/>
+            <a:ext cx="4011084" cy="4691063"/>
           </a:xfrm>
         </p:spPr>
         <p:txBody>
@@ -2237,7 +2253,7 @@
             <a:fld id="{E4FCE795-414F-439F-A50E-CDC6F5D13AFF}" type="datetimeFigureOut">
               <a:rPr lang="zh-TW" altLang="en-US" smtClean="0"/>
               <a:pPr/>
-              <a:t>2017/7/2</a:t>
+              <a:t>2020/4/8</a:t>
             </a:fld>
             <a:endParaRPr lang="zh-TW" altLang="en-US"/>
           </a:p>
@@ -2323,8 +2339,8 @@
         </p:nvSpPr>
         <p:spPr>
           <a:xfrm>
-            <a:off x="1792288" y="4800600"/>
-            <a:ext cx="5486400" cy="566738"/>
+            <a:off x="2389717" y="4800600"/>
+            <a:ext cx="7315200" cy="566738"/>
           </a:xfrm>
         </p:spPr>
         <p:txBody>
@@ -2355,8 +2371,8 @@
         </p:nvSpPr>
         <p:spPr>
           <a:xfrm>
-            <a:off x="1792288" y="612775"/>
-            <a:ext cx="5486400" cy="4114800"/>
+            <a:off x="2389717" y="612775"/>
+            <a:ext cx="7315200" cy="4114800"/>
           </a:xfrm>
         </p:spPr>
         <p:txBody>
@@ -2420,8 +2436,8 @@
         </p:nvSpPr>
         <p:spPr>
           <a:xfrm>
-            <a:off x="1792288" y="5367338"/>
-            <a:ext cx="5486400" cy="804862"/>
+            <a:off x="2389717" y="5367338"/>
+            <a:ext cx="7315200" cy="804862"/>
           </a:xfrm>
         </p:spPr>
         <p:txBody>
@@ -2491,7 +2507,7 @@
             <a:fld id="{E4FCE795-414F-439F-A50E-CDC6F5D13AFF}" type="datetimeFigureOut">
               <a:rPr lang="zh-TW" altLang="en-US" smtClean="0"/>
               <a:pPr/>
-              <a:t>2017/7/2</a:t>
+              <a:t>2020/4/8</a:t>
             </a:fld>
             <a:endParaRPr lang="zh-TW" altLang="en-US"/>
           </a:p>
@@ -2587,8 +2603,8 @@
         </p:nvSpPr>
         <p:spPr>
           <a:xfrm>
-            <a:off x="457200" y="274638"/>
-            <a:ext cx="8229600" cy="1143000"/>
+            <a:off x="609600" y="274638"/>
+            <a:ext cx="10972800" cy="1143000"/>
           </a:xfrm>
           <a:prstGeom prst="rect">
             <a:avLst/>
@@ -2620,8 +2636,8 @@
         </p:nvSpPr>
         <p:spPr>
           <a:xfrm>
-            <a:off x="457200" y="1600200"/>
-            <a:ext cx="8229600" cy="4525963"/>
+            <a:off x="609600" y="1600201"/>
+            <a:ext cx="10972800" cy="4525963"/>
           </a:xfrm>
           <a:prstGeom prst="rect">
             <a:avLst/>
@@ -2682,8 +2698,8 @@
         </p:nvSpPr>
         <p:spPr>
           <a:xfrm>
-            <a:off x="457200" y="6356350"/>
-            <a:ext cx="2133600" cy="365125"/>
+            <a:off x="609600" y="6356351"/>
+            <a:ext cx="2844800" cy="365125"/>
           </a:xfrm>
           <a:prstGeom prst="rect">
             <a:avLst/>
@@ -2706,7 +2722,7 @@
             <a:fld id="{E4FCE795-414F-439F-A50E-CDC6F5D13AFF}" type="datetimeFigureOut">
               <a:rPr lang="zh-TW" altLang="en-US" smtClean="0"/>
               <a:pPr/>
-              <a:t>2017/7/2</a:t>
+              <a:t>2020/4/8</a:t>
             </a:fld>
             <a:endParaRPr lang="zh-TW" altLang="en-US"/>
           </a:p>
@@ -2724,8 +2740,8 @@
         </p:nvSpPr>
         <p:spPr>
           <a:xfrm>
-            <a:off x="3124200" y="6356350"/>
-            <a:ext cx="2895600" cy="365125"/>
+            <a:off x="4165600" y="6356351"/>
+            <a:ext cx="3860800" cy="365125"/>
           </a:xfrm>
           <a:prstGeom prst="rect">
             <a:avLst/>
@@ -2761,8 +2777,8 @@
         </p:nvSpPr>
         <p:spPr>
           <a:xfrm>
-            <a:off x="6553200" y="6356350"/>
-            <a:ext cx="2133600" cy="365125"/>
+            <a:off x="8737600" y="6356351"/>
+            <a:ext cx="2844800" cy="365125"/>
           </a:xfrm>
           <a:prstGeom prst="rect">
             <a:avLst/>
@@ -3195,7 +3211,7 @@
               <a:t>能去全身罪</a:t>
             </a:r>
             <a:r>
-              <a:rPr lang="zh-CN" altLang="en-US" sz="5400" b="1" dirty="0" smtClean="0">
+              <a:rPr lang="zh-CN" altLang="en-US" sz="5400" b="1" dirty="0">
                 <a:solidFill>
                   <a:srgbClr val="000066"/>
                 </a:solidFill>
@@ -3210,6 +3226,44 @@
               </a:solidFill>
               <a:latin typeface="微軟正黑體" pitchFamily="34" charset="-120"/>
               <a:ea typeface="微軟正黑體" pitchFamily="34" charset="-120"/>
+            </a:endParaRPr>
+          </a:p>
+        </p:txBody>
+      </p:sp>
+      <p:sp>
+        <p:nvSpPr>
+          <p:cNvPr id="2" name="TextBox 1"/>
+          <p:cNvSpPr txBox="1"/>
+          <p:nvPr/>
+        </p:nvSpPr>
+        <p:spPr>
+          <a:xfrm>
+            <a:off x="1703512" y="1579420"/>
+            <a:ext cx="1152128" cy="1015663"/>
+          </a:xfrm>
+          <a:prstGeom prst="rect">
+            <a:avLst/>
+          </a:prstGeom>
+          <a:noFill/>
+        </p:spPr>
+        <p:txBody>
+          <a:bodyPr wrap="square" rtlCol="0">
+            <a:spAutoFit/>
+          </a:bodyPr>
+          <a:lstStyle/>
+          <a:p>
+            <a:r>
+              <a:rPr lang="en-US" sz="6000" b="1" dirty="0" smtClean="0">
+                <a:solidFill>
+                  <a:srgbClr val="000066"/>
+                </a:solidFill>
+              </a:rPr>
+              <a:t>1.</a:t>
+            </a:r>
+            <a:endParaRPr lang="vi-VN" sz="6000" b="1" dirty="0">
+              <a:solidFill>
+                <a:srgbClr val="000066"/>
+              </a:solidFill>
             </a:endParaRPr>
           </a:p>
         </p:txBody>
@@ -3642,6 +3696,52 @@
           </a:p>
         </p:txBody>
       </p:sp>
+      <p:sp>
+        <p:nvSpPr>
+          <p:cNvPr id="6" name="TextBox 5"/>
+          <p:cNvSpPr txBox="1"/>
+          <p:nvPr/>
+        </p:nvSpPr>
+        <p:spPr>
+          <a:xfrm>
+            <a:off x="1703512" y="1579420"/>
+            <a:ext cx="1152128" cy="1015663"/>
+          </a:xfrm>
+          <a:prstGeom prst="rect">
+            <a:avLst/>
+          </a:prstGeom>
+          <a:noFill/>
+        </p:spPr>
+        <p:txBody>
+          <a:bodyPr wrap="square" rtlCol="0">
+            <a:spAutoFit/>
+          </a:bodyPr>
+          <a:lstStyle/>
+          <a:p>
+            <a:r>
+              <a:rPr lang="en-US" sz="6000" b="1" dirty="0">
+                <a:solidFill>
+                  <a:srgbClr val="000066"/>
+                </a:solidFill>
+              </a:rPr>
+              <a:t>2</a:t>
+            </a:r>
+            <a:r>
+              <a:rPr lang="en-US" sz="6000" b="1" dirty="0" smtClean="0">
+                <a:solidFill>
+                  <a:srgbClr val="000066"/>
+                </a:solidFill>
+              </a:rPr>
+              <a:t>.</a:t>
+            </a:r>
+            <a:endParaRPr lang="vi-VN" sz="6000" b="1" dirty="0">
+              <a:solidFill>
+                <a:srgbClr val="000066"/>
+              </a:solidFill>
+            </a:endParaRPr>
+          </a:p>
+        </p:txBody>
+      </p:sp>
     </p:spTree>
   </p:cSld>
   <p:clrMapOvr>
@@ -3861,7 +3961,7 @@
               <a:buNone/>
             </a:pPr>
             <a:r>
-              <a:rPr lang="zh-TW" altLang="en-US" sz="5400" b="1" dirty="0" smtClean="0">
+              <a:rPr lang="zh-TW" altLang="en-US" sz="5400" b="1" dirty="0">
                 <a:solidFill>
                   <a:srgbClr val="000066"/>
                 </a:solidFill>
@@ -3876,7 +3976,7 @@
               <a:buNone/>
             </a:pPr>
             <a:r>
-              <a:rPr lang="zh-TW" altLang="en-US" sz="5400" b="1" dirty="0" smtClean="0">
+              <a:rPr lang="zh-TW" altLang="en-US" sz="5400" b="1" dirty="0">
                 <a:solidFill>
                   <a:srgbClr val="000066"/>
                 </a:solidFill>
@@ -3891,7 +3991,7 @@
               <a:buNone/>
             </a:pPr>
             <a:r>
-              <a:rPr lang="zh-TW" altLang="en-US" sz="5400" b="1" dirty="0" smtClean="0">
+              <a:rPr lang="zh-TW" altLang="en-US" sz="5400" b="1" dirty="0">
                 <a:solidFill>
                   <a:srgbClr val="000066"/>
                 </a:solidFill>
@@ -3906,7 +4006,7 @@
               <a:buNone/>
             </a:pPr>
             <a:r>
-              <a:rPr lang="zh-TW" altLang="en-US" sz="5400" b="1" dirty="0" smtClean="0">
+              <a:rPr lang="zh-TW" altLang="en-US" sz="5400" b="1" dirty="0">
                 <a:solidFill>
                   <a:srgbClr val="000066"/>
                 </a:solidFill>
@@ -3915,6 +4015,52 @@
               </a:rPr>
               <a:t>罪惡一概洗掉</a:t>
             </a:r>
+          </a:p>
+        </p:txBody>
+      </p:sp>
+      <p:sp>
+        <p:nvSpPr>
+          <p:cNvPr id="6" name="TextBox 5"/>
+          <p:cNvSpPr txBox="1"/>
+          <p:nvPr/>
+        </p:nvSpPr>
+        <p:spPr>
+          <a:xfrm>
+            <a:off x="1703512" y="1579420"/>
+            <a:ext cx="1152128" cy="1015663"/>
+          </a:xfrm>
+          <a:prstGeom prst="rect">
+            <a:avLst/>
+          </a:prstGeom>
+          <a:noFill/>
+        </p:spPr>
+        <p:txBody>
+          <a:bodyPr wrap="square" rtlCol="0">
+            <a:spAutoFit/>
+          </a:bodyPr>
+          <a:lstStyle/>
+          <a:p>
+            <a:r>
+              <a:rPr lang="en-US" sz="6000" b="1" dirty="0">
+                <a:solidFill>
+                  <a:srgbClr val="000066"/>
+                </a:solidFill>
+              </a:rPr>
+              <a:t>3</a:t>
+            </a:r>
+            <a:r>
+              <a:rPr lang="en-US" sz="6000" b="1" dirty="0" smtClean="0">
+                <a:solidFill>
+                  <a:srgbClr val="000066"/>
+                </a:solidFill>
+              </a:rPr>
+              <a:t>.</a:t>
+            </a:r>
+            <a:endParaRPr lang="vi-VN" sz="6000" b="1" dirty="0">
+              <a:solidFill>
+                <a:srgbClr val="000066"/>
+              </a:solidFill>
+            </a:endParaRPr>
           </a:p>
         </p:txBody>
       </p:sp>
@@ -3999,6 +4145,61 @@
               <a:buNone/>
             </a:pPr>
             <a:r>
+              <a:rPr lang="zh-TW" altLang="en-US" sz="5400" b="1" dirty="0" smtClean="0">
+                <a:solidFill>
+                  <a:srgbClr val="000066"/>
+                </a:solidFill>
+                <a:latin typeface="微軟正黑體" pitchFamily="34" charset="-120"/>
+                <a:ea typeface="微軟正黑體" pitchFamily="34" charset="-120"/>
+              </a:rPr>
+              <a:t>我心相信 我真相信</a:t>
+            </a:r>
+          </a:p>
+          <a:p>
+            <a:pPr algn="ctr">
+              <a:buNone/>
+            </a:pPr>
+            <a:r>
+              <a:rPr lang="zh-TW" altLang="en-US" sz="5400" b="1" dirty="0" smtClean="0">
+                <a:solidFill>
+                  <a:srgbClr val="000066"/>
+                </a:solidFill>
+                <a:latin typeface="微軟正黑體" pitchFamily="34" charset="-120"/>
+                <a:ea typeface="微軟正黑體" pitchFamily="34" charset="-120"/>
+              </a:rPr>
+              <a:t>耶穌替我受害</a:t>
+            </a:r>
+          </a:p>
+          <a:p>
+            <a:pPr algn="ctr">
+              <a:buNone/>
+            </a:pPr>
+            <a:r>
+              <a:rPr lang="zh-TW" altLang="en-US" sz="5400" b="1" dirty="0" smtClean="0">
+                <a:solidFill>
+                  <a:srgbClr val="000066"/>
+                </a:solidFill>
+                <a:latin typeface="微軟正黑體" pitchFamily="34" charset="-120"/>
+                <a:ea typeface="微軟正黑體" pitchFamily="34" charset="-120"/>
+              </a:rPr>
+              <a:t>天父愛子這樣受死</a:t>
+            </a:r>
+          </a:p>
+          <a:p>
+            <a:pPr algn="ctr">
+              <a:buNone/>
+            </a:pPr>
+            <a:r>
+              <a:rPr lang="zh-TW" altLang="en-US" sz="5400" b="1" dirty="0" smtClean="0">
+                <a:solidFill>
+                  <a:srgbClr val="000066"/>
+                </a:solidFill>
+                <a:latin typeface="微軟正黑體" pitchFamily="34" charset="-120"/>
+                <a:ea typeface="微軟正黑體" pitchFamily="34" charset="-120"/>
+              </a:rPr>
+              <a:t>焚</a:t>
+            </a:r>
+            <a:r>
               <a:rPr lang="zh-TW" altLang="en-US" sz="5400" b="1" dirty="0">
                 <a:solidFill>
                   <a:srgbClr val="000066"/>
@@ -4006,52 +4207,7 @@
                 <a:latin typeface="微軟正黑體" pitchFamily="34" charset="-120"/>
                 <a:ea typeface="微軟正黑體" pitchFamily="34" charset="-120"/>
               </a:rPr>
-              <a:t>我心相信 我真相信</a:t>
-            </a:r>
-          </a:p>
-          <a:p>
-            <a:pPr algn="ctr">
-              <a:buNone/>
-            </a:pPr>
-            <a:r>
-              <a:rPr lang="zh-TW" altLang="en-US" sz="5400" b="1" dirty="0">
-                <a:solidFill>
-                  <a:srgbClr val="000066"/>
-                </a:solidFill>
-                <a:latin typeface="微軟正黑體" pitchFamily="34" charset="-120"/>
-                <a:ea typeface="微軟正黑體" pitchFamily="34" charset="-120"/>
-              </a:rPr>
-              <a:t>耶穌替我受害</a:t>
-            </a:r>
-          </a:p>
-          <a:p>
-            <a:pPr algn="ctr">
-              <a:buNone/>
-            </a:pPr>
-            <a:r>
-              <a:rPr lang="zh-TW" altLang="en-US" sz="5400" b="1" dirty="0">
-                <a:solidFill>
-                  <a:srgbClr val="000066"/>
-                </a:solidFill>
-                <a:latin typeface="微軟正黑體" pitchFamily="34" charset="-120"/>
-                <a:ea typeface="微軟正黑體" pitchFamily="34" charset="-120"/>
-              </a:rPr>
-              <a:t>天父愛子這樣受死</a:t>
-            </a:r>
-          </a:p>
-          <a:p>
-            <a:pPr algn="ctr">
-              <a:buNone/>
-            </a:pPr>
-            <a:r>
-              <a:rPr lang="zh-TW" altLang="en-US" sz="5400" b="1" dirty="0">
-                <a:solidFill>
-                  <a:srgbClr val="000066"/>
-                </a:solidFill>
-                <a:latin typeface="微軟正黑體" pitchFamily="34" charset="-120"/>
-                <a:ea typeface="微軟正黑體" pitchFamily="34" charset="-120"/>
-              </a:rPr>
-              <a:t>焚身難報主愛</a:t>
+              <a:t>身難報主愛</a:t>
             </a:r>
           </a:p>
         </p:txBody>
@@ -4194,6 +4350,52 @@
           </a:p>
         </p:txBody>
       </p:sp>
+      <p:sp>
+        <p:nvSpPr>
+          <p:cNvPr id="6" name="TextBox 5"/>
+          <p:cNvSpPr txBox="1"/>
+          <p:nvPr/>
+        </p:nvSpPr>
+        <p:spPr>
+          <a:xfrm>
+            <a:off x="1703512" y="1579420"/>
+            <a:ext cx="1152128" cy="1015663"/>
+          </a:xfrm>
+          <a:prstGeom prst="rect">
+            <a:avLst/>
+          </a:prstGeom>
+          <a:noFill/>
+        </p:spPr>
+        <p:txBody>
+          <a:bodyPr wrap="square" rtlCol="0">
+            <a:spAutoFit/>
+          </a:bodyPr>
+          <a:lstStyle/>
+          <a:p>
+            <a:r>
+              <a:rPr lang="en-US" sz="6000" b="1" dirty="0">
+                <a:solidFill>
+                  <a:srgbClr val="000066"/>
+                </a:solidFill>
+              </a:rPr>
+              <a:t>4</a:t>
+            </a:r>
+            <a:r>
+              <a:rPr lang="en-US" sz="6000" b="1" dirty="0" smtClean="0">
+                <a:solidFill>
+                  <a:srgbClr val="000066"/>
+                </a:solidFill>
+              </a:rPr>
+              <a:t>.</a:t>
+            </a:r>
+            <a:endParaRPr lang="vi-VN" sz="6000" b="1" dirty="0">
+              <a:solidFill>
+                <a:srgbClr val="000066"/>
+              </a:solidFill>
+            </a:endParaRPr>
+          </a:p>
+        </p:txBody>
+      </p:sp>
     </p:spTree>
   </p:cSld>
   <p:clrMapOvr>
@@ -4480,6 +4682,52 @@
               </a:solidFill>
               <a:latin typeface="微軟正黑體" pitchFamily="34" charset="-120"/>
               <a:ea typeface="微軟正黑體" pitchFamily="34" charset="-120"/>
+            </a:endParaRPr>
+          </a:p>
+        </p:txBody>
+      </p:sp>
+      <p:sp>
+        <p:nvSpPr>
+          <p:cNvPr id="6" name="TextBox 5"/>
+          <p:cNvSpPr txBox="1"/>
+          <p:nvPr/>
+        </p:nvSpPr>
+        <p:spPr>
+          <a:xfrm>
+            <a:off x="1703512" y="1579420"/>
+            <a:ext cx="1152128" cy="1015663"/>
+          </a:xfrm>
+          <a:prstGeom prst="rect">
+            <a:avLst/>
+          </a:prstGeom>
+          <a:noFill/>
+        </p:spPr>
+        <p:txBody>
+          <a:bodyPr wrap="square" rtlCol="0">
+            <a:spAutoFit/>
+          </a:bodyPr>
+          <a:lstStyle/>
+          <a:p>
+            <a:r>
+              <a:rPr lang="en-US" sz="6000" b="1" dirty="0">
+                <a:solidFill>
+                  <a:srgbClr val="000066"/>
+                </a:solidFill>
+              </a:rPr>
+              <a:t>5</a:t>
+            </a:r>
+            <a:r>
+              <a:rPr lang="en-US" sz="6000" b="1" dirty="0" smtClean="0">
+                <a:solidFill>
+                  <a:srgbClr val="000066"/>
+                </a:solidFill>
+              </a:rPr>
+              <a:t>.</a:t>
+            </a:r>
+            <a:endParaRPr lang="vi-VN" sz="6000" b="1" dirty="0">
+              <a:solidFill>
+                <a:srgbClr val="000066"/>
+              </a:solidFill>
             </a:endParaRPr>
           </a:p>
         </p:txBody>
